--- a/topic_proposal.pptx
+++ b/topic_proposal.pptx
@@ -8,10 +8,12 @@
     <p:sldId id="256" r:id="rId2"/>
     <p:sldId id="257" r:id="rId3"/>
     <p:sldId id="258" r:id="rId4"/>
-    <p:sldId id="260" r:id="rId5"/>
-    <p:sldId id="261" r:id="rId6"/>
-    <p:sldId id="262" r:id="rId7"/>
-    <p:sldId id="263" r:id="rId8"/>
+    <p:sldId id="264" r:id="rId5"/>
+    <p:sldId id="260" r:id="rId6"/>
+    <p:sldId id="261" r:id="rId7"/>
+    <p:sldId id="262" r:id="rId8"/>
+    <p:sldId id="265" r:id="rId9"/>
+    <p:sldId id="263" r:id="rId10"/>
   </p:sldIdLst>
   <p:sldSz cx="12192000" cy="6858000"/>
   <p:notesSz cx="6858000" cy="9144000"/>
@@ -110,6 +112,11 @@
       </a:defRPr>
     </a:lvl9pPr>
   </p:defaultTextStyle>
+  <p:extLst>
+    <p:ext uri="{EFAFB233-063F-42B5-8137-9DF3F51BA10A}">
+      <p15:sldGuideLst xmlns:p15="http://schemas.microsoft.com/office/powerpoint/2012/main"/>
+    </p:ext>
+  </p:extLst>
 </p:presentation>
 </file>
 
@@ -6538,7 +6545,7 @@
         </p:nvSpPr>
         <p:spPr>
           <a:xfrm>
-            <a:off x="4208720" y="3220806"/>
+            <a:off x="2408274" y="3731169"/>
             <a:ext cx="3774558" cy="1323439"/>
           </a:xfrm>
           <a:prstGeom prst="rect">
@@ -6603,6 +6610,51 @@
                 <a:latin typeface="Arial Rounded MT Bold" panose="020F0704030504030204" pitchFamily="34" charset="0"/>
               </a:rPr>
               <a:t>	Waghmare Santosh</a:t>
+            </a:r>
+          </a:p>
+        </p:txBody>
+      </p:sp>
+      <p:sp>
+        <p:nvSpPr>
+          <p:cNvPr id="3" name="TextBox 2">
+            <a:extLst>
+              <a:ext uri="{FF2B5EF4-FFF2-40B4-BE49-F238E27FC236}">
+                <a16:creationId xmlns:a16="http://schemas.microsoft.com/office/drawing/2014/main" id="{E2B45B2C-99C7-9F94-00B2-CF5C5B245AD6}"/>
+              </a:ext>
+            </a:extLst>
+          </p:cNvPr>
+          <p:cNvSpPr txBox="1"/>
+          <p:nvPr/>
+        </p:nvSpPr>
+        <p:spPr>
+          <a:xfrm>
+            <a:off x="7644809" y="4164643"/>
+            <a:ext cx="3200400" cy="830997"/>
+          </a:xfrm>
+          <a:prstGeom prst="rect">
+            <a:avLst/>
+          </a:prstGeom>
+          <a:noFill/>
+        </p:spPr>
+        <p:txBody>
+          <a:bodyPr wrap="square" rtlCol="0">
+            <a:spAutoFit/>
+          </a:bodyPr>
+          <a:lstStyle/>
+          <a:p>
+            <a:r>
+              <a:rPr lang="en-IN" sz="2400" dirty="0"/>
+              <a:t>Project Guide:</a:t>
+            </a:r>
+          </a:p>
+          <a:p>
+            <a:pPr marL="342900" indent="-342900">
+              <a:buFont typeface="Wingdings" panose="05000000000000000000" pitchFamily="2" charset="2"/>
+              <a:buChar char="v"/>
+            </a:pPr>
+            <a:r>
+              <a:rPr lang="en-IN" sz="2400" dirty="0"/>
+              <a:t>	Prof. Shiv Shinde</a:t>
             </a:r>
           </a:p>
         </p:txBody>
@@ -7315,6 +7367,112 @@
       </p:grpSpPr>
       <p:sp>
         <p:nvSpPr>
+          <p:cNvPr id="4" name="TextBox 3">
+            <a:extLst>
+              <a:ext uri="{FF2B5EF4-FFF2-40B4-BE49-F238E27FC236}">
+                <a16:creationId xmlns:a16="http://schemas.microsoft.com/office/drawing/2014/main" id="{20DF5C14-FB26-85F0-0182-6130467C62BF}"/>
+              </a:ext>
+            </a:extLst>
+          </p:cNvPr>
+          <p:cNvSpPr txBox="1"/>
+          <p:nvPr/>
+        </p:nvSpPr>
+        <p:spPr>
+          <a:xfrm>
+            <a:off x="1658679" y="372140"/>
+            <a:ext cx="8729330" cy="523220"/>
+          </a:xfrm>
+          <a:prstGeom prst="rect">
+            <a:avLst/>
+          </a:prstGeom>
+          <a:noFill/>
+        </p:spPr>
+        <p:txBody>
+          <a:bodyPr wrap="square" rtlCol="0">
+            <a:spAutoFit/>
+          </a:bodyPr>
+          <a:lstStyle/>
+          <a:p>
+            <a:pPr algn="ctr"/>
+            <a:r>
+              <a:rPr lang="en-IN" sz="2800" dirty="0">
+                <a:solidFill>
+                  <a:schemeClr val="accent1"/>
+                </a:solidFill>
+              </a:rPr>
+              <a:t>Flow-Chart of Existing System</a:t>
+            </a:r>
+          </a:p>
+        </p:txBody>
+      </p:sp>
+      <p:pic>
+        <p:nvPicPr>
+          <p:cNvPr id="6" name="Picture 5">
+            <a:extLst>
+              <a:ext uri="{FF2B5EF4-FFF2-40B4-BE49-F238E27FC236}">
+                <a16:creationId xmlns:a16="http://schemas.microsoft.com/office/drawing/2014/main" id="{F6B94D7C-4B96-A961-E039-FEA7DE9E6CB6}"/>
+              </a:ext>
+            </a:extLst>
+          </p:cNvPr>
+          <p:cNvPicPr>
+            <a:picLocks noChangeAspect="1"/>
+          </p:cNvPicPr>
+          <p:nvPr/>
+        </p:nvPicPr>
+        <p:blipFill>
+          <a:blip r:embed="rId2">
+            <a:extLst>
+              <a:ext uri="{28A0092B-C50C-407E-A947-70E740481C1C}">
+                <a14:useLocalDpi xmlns:a14="http://schemas.microsoft.com/office/drawing/2010/main" val="0"/>
+              </a:ext>
+            </a:extLst>
+          </a:blip>
+          <a:stretch>
+            <a:fillRect/>
+          </a:stretch>
+        </p:blipFill>
+        <p:spPr>
+          <a:xfrm>
+            <a:off x="3513285" y="895360"/>
+            <a:ext cx="5165430" cy="6146636"/>
+          </a:xfrm>
+          <a:prstGeom prst="rect">
+            <a:avLst/>
+          </a:prstGeom>
+        </p:spPr>
+      </p:pic>
+    </p:spTree>
+    <p:extLst>
+      <p:ext uri="{BB962C8B-B14F-4D97-AF65-F5344CB8AC3E}">
+        <p14:creationId xmlns:p14="http://schemas.microsoft.com/office/powerpoint/2010/main" val="3021049368"/>
+      </p:ext>
+    </p:extLst>
+  </p:cSld>
+  <p:clrMapOvr>
+    <a:masterClrMapping/>
+  </p:clrMapOvr>
+</p:sld>
+</file>
+
+<file path=ppt/slides/slide5.xml><?xml version="1.0" encoding="utf-8"?>
+<p:sld xmlns:a="http://schemas.openxmlformats.org/drawingml/2006/main" xmlns:r="http://schemas.openxmlformats.org/officeDocument/2006/relationships" xmlns:p="http://schemas.openxmlformats.org/presentationml/2006/main">
+  <p:cSld>
+    <p:spTree>
+      <p:nvGrpSpPr>
+        <p:cNvPr id="1" name=""/>
+        <p:cNvGrpSpPr/>
+        <p:nvPr/>
+      </p:nvGrpSpPr>
+      <p:grpSpPr>
+        <a:xfrm>
+          <a:off x="0" y="0"/>
+          <a:ext cx="0" cy="0"/>
+          <a:chOff x="0" y="0"/>
+          <a:chExt cx="0" cy="0"/>
+        </a:xfrm>
+      </p:grpSpPr>
+      <p:sp>
+        <p:nvSpPr>
           <p:cNvPr id="2" name="TextBox 1">
             <a:extLst>
               <a:ext uri="{FF2B5EF4-FFF2-40B4-BE49-F238E27FC236}">
@@ -7388,9 +7546,7 @@
             <a:r>
               <a:rPr lang="en-US" sz="2800" b="1" dirty="0">
                 <a:solidFill>
-                  <a:schemeClr val="tx2">
-                    <a:lumMod val="50000"/>
-                  </a:schemeClr>
+                  <a:schemeClr val="accent1"/>
                 </a:solidFill>
               </a:rPr>
               <a:t>1.Overview:</a:t>
@@ -7545,7 +7701,7 @@
 </p:sld>
 </file>
 
-<file path=ppt/slides/slide5.xml><?xml version="1.0" encoding="utf-8"?>
+<file path=ppt/slides/slide6.xml><?xml version="1.0" encoding="utf-8"?>
 <p:sld xmlns:a="http://schemas.openxmlformats.org/drawingml/2006/main" xmlns:r="http://schemas.openxmlformats.org/officeDocument/2006/relationships" xmlns:p="http://schemas.openxmlformats.org/presentationml/2006/main">
   <p:cSld>
     <p:spTree>
@@ -7577,7 +7733,7 @@
         <p:spPr>
           <a:xfrm>
             <a:off x="1010093" y="1020725"/>
-            <a:ext cx="8952614" cy="5601533"/>
+            <a:ext cx="8952614" cy="5663089"/>
           </a:xfrm>
           <a:prstGeom prst="rect">
             <a:avLst/>
@@ -7591,14 +7747,12 @@
           <a:lstStyle/>
           <a:p>
             <a:r>
-              <a:rPr lang="en-US" sz="2000" b="1" dirty="0">
-                <a:solidFill>
-                  <a:schemeClr val="tx2">
-                    <a:lumMod val="50000"/>
-                  </a:schemeClr>
+              <a:rPr lang="en-US" sz="2400" b="1" dirty="0">
+                <a:solidFill>
+                  <a:schemeClr val="accent1"/>
                 </a:solidFill>
               </a:rPr>
-              <a:t>Key Features:</a:t>
+              <a:t>1.Key Features:</a:t>
             </a:r>
           </a:p>
           <a:p>
@@ -7966,7 +8120,7 @@
 </p:sld>
 </file>
 
-<file path=ppt/slides/slide6.xml><?xml version="1.0" encoding="utf-8"?>
+<file path=ppt/slides/slide7.xml><?xml version="1.0" encoding="utf-8"?>
 <p:sld xmlns:a="http://schemas.openxmlformats.org/drawingml/2006/main" xmlns:r="http://schemas.openxmlformats.org/officeDocument/2006/relationships" xmlns:p="http://schemas.openxmlformats.org/presentationml/2006/main">
   <p:cSld>
     <p:spTree>
@@ -8014,9 +8168,7 @@
             <a:r>
               <a:rPr lang="en-US" sz="2400" b="1" dirty="0">
                 <a:solidFill>
-                  <a:schemeClr val="tx2">
-                    <a:lumMod val="50000"/>
-                  </a:schemeClr>
+                  <a:schemeClr val="accent1"/>
                 </a:solidFill>
               </a:rPr>
               <a:t>Technical Details:</a:t>
@@ -8241,7 +8393,233 @@
 </p:sld>
 </file>
 
-<file path=ppt/slides/slide7.xml><?xml version="1.0" encoding="utf-8"?>
+<file path=ppt/slides/slide8.xml><?xml version="1.0" encoding="utf-8"?>
+<p:sld xmlns:a="http://schemas.openxmlformats.org/drawingml/2006/main" xmlns:r="http://schemas.openxmlformats.org/officeDocument/2006/relationships" xmlns:p="http://schemas.openxmlformats.org/presentationml/2006/main">
+  <p:cSld>
+    <p:spTree>
+      <p:nvGrpSpPr>
+        <p:cNvPr id="1" name=""/>
+        <p:cNvGrpSpPr/>
+        <p:nvPr/>
+      </p:nvGrpSpPr>
+      <p:grpSpPr>
+        <a:xfrm>
+          <a:off x="0" y="0"/>
+          <a:ext cx="0" cy="0"/>
+          <a:chOff x="0" y="0"/>
+          <a:chExt cx="0" cy="0"/>
+        </a:xfrm>
+      </p:grpSpPr>
+      <p:sp>
+        <p:nvSpPr>
+          <p:cNvPr id="3" name="TextBox 2">
+            <a:extLst>
+              <a:ext uri="{FF2B5EF4-FFF2-40B4-BE49-F238E27FC236}">
+                <a16:creationId xmlns:a16="http://schemas.microsoft.com/office/drawing/2014/main" id="{688EDD96-50E5-8756-DCD0-6E09D069464F}"/>
+              </a:ext>
+            </a:extLst>
+          </p:cNvPr>
+          <p:cNvSpPr txBox="1"/>
+          <p:nvPr/>
+        </p:nvSpPr>
+        <p:spPr>
+          <a:xfrm>
+            <a:off x="2368626" y="1720840"/>
+            <a:ext cx="8654902" cy="3477875"/>
+          </a:xfrm>
+          <a:prstGeom prst="rect">
+            <a:avLst/>
+          </a:prstGeom>
+          <a:noFill/>
+        </p:spPr>
+        <p:txBody>
+          <a:bodyPr wrap="square" rtlCol="0">
+            <a:spAutoFit/>
+          </a:bodyPr>
+          <a:lstStyle/>
+          <a:p>
+            <a:r>
+              <a:rPr lang="en-IN" sz="2800" b="1" dirty="0">
+                <a:solidFill>
+                  <a:schemeClr val="accent1"/>
+                </a:solidFill>
+              </a:rPr>
+              <a:t>Future Enhancements:</a:t>
+            </a:r>
+          </a:p>
+          <a:p>
+            <a:pPr>
+              <a:buFont typeface="Arial" panose="020B0604020202020204" pitchFamily="34" charset="0"/>
+              <a:buChar char="•"/>
+            </a:pPr>
+            <a:r>
+              <a:rPr lang="en-IN" sz="2400" b="1" dirty="0">
+                <a:solidFill>
+                  <a:schemeClr val="tx2">
+                    <a:lumMod val="50000"/>
+                  </a:schemeClr>
+                </a:solidFill>
+              </a:rPr>
+              <a:t>Expand Dataset:</a:t>
+            </a:r>
+            <a:endParaRPr lang="en-IN" sz="2400" dirty="0">
+              <a:solidFill>
+                <a:schemeClr val="tx2">
+                  <a:lumMod val="50000"/>
+                </a:schemeClr>
+              </a:solidFill>
+            </a:endParaRPr>
+          </a:p>
+          <a:p>
+            <a:pPr marL="742950" lvl="1" indent="-285750">
+              <a:buFont typeface="Arial" panose="020B0604020202020204" pitchFamily="34" charset="0"/>
+              <a:buChar char="•"/>
+            </a:pPr>
+            <a:r>
+              <a:rPr lang="en-IN" sz="2400" dirty="0">
+                <a:solidFill>
+                  <a:schemeClr val="tx2">
+                    <a:lumMod val="50000"/>
+                  </a:schemeClr>
+                </a:solidFill>
+              </a:rPr>
+              <a:t>Continuously update and expand datasets for improved accuracy.</a:t>
+            </a:r>
+          </a:p>
+          <a:p>
+            <a:pPr>
+              <a:buFont typeface="Arial" panose="020B0604020202020204" pitchFamily="34" charset="0"/>
+              <a:buChar char="•"/>
+            </a:pPr>
+            <a:r>
+              <a:rPr lang="en-IN" sz="2400" b="1" dirty="0">
+                <a:solidFill>
+                  <a:schemeClr val="tx2">
+                    <a:lumMod val="50000"/>
+                  </a:schemeClr>
+                </a:solidFill>
+              </a:rPr>
+              <a:t>Model Improvement:</a:t>
+            </a:r>
+            <a:endParaRPr lang="en-IN" sz="2400" dirty="0">
+              <a:solidFill>
+                <a:schemeClr val="tx2">
+                  <a:lumMod val="50000"/>
+                </a:schemeClr>
+              </a:solidFill>
+            </a:endParaRPr>
+          </a:p>
+          <a:p>
+            <a:pPr marL="742950" lvl="1" indent="-285750">
+              <a:buFont typeface="Arial" panose="020B0604020202020204" pitchFamily="34" charset="0"/>
+              <a:buChar char="•"/>
+            </a:pPr>
+            <a:r>
+              <a:rPr lang="en-IN" sz="2400" dirty="0">
+                <a:solidFill>
+                  <a:schemeClr val="tx2">
+                    <a:lumMod val="50000"/>
+                  </a:schemeClr>
+                </a:solidFill>
+              </a:rPr>
+              <a:t>Regularly update ML/DL models with new data.</a:t>
+            </a:r>
+          </a:p>
+          <a:p>
+            <a:pPr>
+              <a:buFont typeface="Arial" panose="020B0604020202020204" pitchFamily="34" charset="0"/>
+              <a:buChar char="•"/>
+            </a:pPr>
+            <a:r>
+              <a:rPr lang="en-IN" sz="2400" b="1" dirty="0">
+                <a:solidFill>
+                  <a:schemeClr val="tx2">
+                    <a:lumMod val="50000"/>
+                  </a:schemeClr>
+                </a:solidFill>
+              </a:rPr>
+              <a:t>User Feedback:</a:t>
+            </a:r>
+            <a:endParaRPr lang="en-IN" sz="2400" dirty="0">
+              <a:solidFill>
+                <a:schemeClr val="tx2">
+                  <a:lumMod val="50000"/>
+                </a:schemeClr>
+              </a:solidFill>
+            </a:endParaRPr>
+          </a:p>
+          <a:p>
+            <a:pPr marL="742950" lvl="1" indent="-285750">
+              <a:buFont typeface="Arial" panose="020B0604020202020204" pitchFamily="34" charset="0"/>
+              <a:buChar char="•"/>
+            </a:pPr>
+            <a:r>
+              <a:rPr lang="en-IN" sz="2400" dirty="0">
+                <a:solidFill>
+                  <a:schemeClr val="tx2">
+                    <a:lumMod val="50000"/>
+                  </a:schemeClr>
+                </a:solidFill>
+              </a:rPr>
+              <a:t>Incorporate user feedback for better interaction and prediction accuracy</a:t>
+            </a:r>
+            <a:r>
+              <a:rPr lang="en-IN" dirty="0"/>
+              <a:t>.</a:t>
+            </a:r>
+          </a:p>
+        </p:txBody>
+      </p:sp>
+      <p:pic>
+        <p:nvPicPr>
+          <p:cNvPr id="5" name="Picture 4">
+            <a:extLst>
+              <a:ext uri="{FF2B5EF4-FFF2-40B4-BE49-F238E27FC236}">
+                <a16:creationId xmlns:a16="http://schemas.microsoft.com/office/drawing/2014/main" id="{91B842A3-64C0-5851-0E64-375E287DFCC9}"/>
+              </a:ext>
+            </a:extLst>
+          </p:cNvPr>
+          <p:cNvPicPr>
+            <a:picLocks noChangeAspect="1"/>
+          </p:cNvPicPr>
+          <p:nvPr/>
+        </p:nvPicPr>
+        <p:blipFill>
+          <a:blip r:embed="rId2">
+            <a:extLst>
+              <a:ext uri="{28A0092B-C50C-407E-A947-70E740481C1C}">
+                <a14:useLocalDpi xmlns:a14="http://schemas.microsoft.com/office/drawing/2010/main" val="0"/>
+              </a:ext>
+            </a:extLst>
+          </a:blip>
+          <a:stretch>
+            <a:fillRect/>
+          </a:stretch>
+        </p:blipFill>
+        <p:spPr>
+          <a:xfrm>
+            <a:off x="0" y="2733675"/>
+            <a:ext cx="5495925" cy="4124325"/>
+          </a:xfrm>
+          <a:prstGeom prst="rect">
+            <a:avLst/>
+          </a:prstGeom>
+        </p:spPr>
+      </p:pic>
+    </p:spTree>
+    <p:extLst>
+      <p:ext uri="{BB962C8B-B14F-4D97-AF65-F5344CB8AC3E}">
+        <p14:creationId xmlns:p14="http://schemas.microsoft.com/office/powerpoint/2010/main" val="4284440478"/>
+      </p:ext>
+    </p:extLst>
+  </p:cSld>
+  <p:clrMapOvr>
+    <a:masterClrMapping/>
+  </p:clrMapOvr>
+</p:sld>
+</file>
+
+<file path=ppt/slides/slide9.xml><?xml version="1.0" encoding="utf-8"?>
 <p:sld xmlns:a="http://schemas.openxmlformats.org/drawingml/2006/main" xmlns:r="http://schemas.openxmlformats.org/officeDocument/2006/relationships" xmlns:p="http://schemas.openxmlformats.org/presentationml/2006/main">
   <p:cSld>
     <p:spTree>
